--- a/case3.pptx
+++ b/case3.pptx
@@ -5,7 +5,7 @@
     <p:sldMasterId id="2147483705" r:id="rId1"/>
   </p:sldMasterIdLst>
   <p:notesMasterIdLst>
-    <p:notesMasterId r:id="rId13"/>
+    <p:notesMasterId r:id="rId15"/>
   </p:notesMasterIdLst>
   <p:sldIdLst>
     <p:sldId id="256" r:id="rId2"/>
@@ -19,6 +19,8 @@
     <p:sldId id="274" r:id="rId10"/>
     <p:sldId id="276" r:id="rId11"/>
     <p:sldId id="277" r:id="rId12"/>
+    <p:sldId id="278" r:id="rId13"/>
+    <p:sldId id="279" r:id="rId14"/>
   </p:sldIdLst>
   <p:sldSz cx="12192000" cy="6858000"/>
   <p:notesSz cx="6858000" cy="9144000"/>
@@ -218,7 +220,7 @@
           <a:p>
             <a:fld id="{D4E5F68D-220C-4FE1-AB55-4B69C76E02B6}" type="datetimeFigureOut">
               <a:rPr lang="en-US" smtClean="0"/>
-              <a:t>6/24/2016</a:t>
+              <a:t>6/25/2016</a:t>
             </a:fld>
             <a:endParaRPr lang="en-US"/>
           </a:p>
@@ -715,7 +717,7 @@
             <a:fld id="{B61BEF0D-F0BB-DE4B-95CE-6DB70DBA9567}" type="datetimeFigureOut">
               <a:rPr lang="en-US" smtClean="0"/>
               <a:pPr/>
-              <a:t>6/24/2016</a:t>
+              <a:t>6/25/2016</a:t>
             </a:fld>
             <a:endParaRPr lang="en-US" dirty="0"/>
           </a:p>
@@ -1051,7 +1053,7 @@
             <a:fld id="{B61BEF0D-F0BB-DE4B-95CE-6DB70DBA9567}" type="datetimeFigureOut">
               <a:rPr lang="en-US" smtClean="0"/>
               <a:pPr/>
-              <a:t>6/24/2016</a:t>
+              <a:t>6/25/2016</a:t>
             </a:fld>
             <a:endParaRPr lang="en-US" dirty="0"/>
           </a:p>
@@ -1331,7 +1333,7 @@
             <a:fld id="{B61BEF0D-F0BB-DE4B-95CE-6DB70DBA9567}" type="datetimeFigureOut">
               <a:rPr lang="en-US" smtClean="0"/>
               <a:pPr/>
-              <a:t>6/24/2016</a:t>
+              <a:t>6/25/2016</a:t>
             </a:fld>
             <a:endParaRPr lang="en-US" dirty="0"/>
           </a:p>
@@ -1901,7 +1903,7 @@
             <a:fld id="{B61BEF0D-F0BB-DE4B-95CE-6DB70DBA9567}" type="datetimeFigureOut">
               <a:rPr lang="en-US" smtClean="0"/>
               <a:pPr/>
-              <a:t>6/24/2016</a:t>
+              <a:t>6/25/2016</a:t>
             </a:fld>
             <a:endParaRPr lang="en-US" dirty="0"/>
           </a:p>
@@ -2181,7 +2183,7 @@
             <a:fld id="{B61BEF0D-F0BB-DE4B-95CE-6DB70DBA9567}" type="datetimeFigureOut">
               <a:rPr lang="en-US" smtClean="0"/>
               <a:pPr/>
-              <a:t>6/24/2016</a:t>
+              <a:t>6/25/2016</a:t>
             </a:fld>
             <a:endParaRPr lang="en-US" dirty="0"/>
           </a:p>
@@ -2745,7 +2747,7 @@
             <a:fld id="{B61BEF0D-F0BB-DE4B-95CE-6DB70DBA9567}" type="datetimeFigureOut">
               <a:rPr lang="en-US" smtClean="0"/>
               <a:pPr/>
-              <a:t>6/24/2016</a:t>
+              <a:t>6/25/2016</a:t>
             </a:fld>
             <a:endParaRPr lang="en-US" dirty="0"/>
           </a:p>
@@ -3074,7 +3076,7 @@
             <a:fld id="{B61BEF0D-F0BB-DE4B-95CE-6DB70DBA9567}" type="datetimeFigureOut">
               <a:rPr lang="en-US" smtClean="0"/>
               <a:pPr/>
-              <a:t>6/24/2016</a:t>
+              <a:t>6/25/2016</a:t>
             </a:fld>
             <a:endParaRPr lang="en-US" dirty="0"/>
           </a:p>
@@ -3281,7 +3283,7 @@
             <a:fld id="{B61BEF0D-F0BB-DE4B-95CE-6DB70DBA9567}" type="datetimeFigureOut">
               <a:rPr lang="en-US" smtClean="0"/>
               <a:pPr/>
-              <a:t>6/24/2016</a:t>
+              <a:t>6/25/2016</a:t>
             </a:fld>
             <a:endParaRPr lang="en-US" dirty="0"/>
           </a:p>
@@ -3493,7 +3495,7 @@
             <a:fld id="{B61BEF0D-F0BB-DE4B-95CE-6DB70DBA9567}" type="datetimeFigureOut">
               <a:rPr lang="en-US" smtClean="0"/>
               <a:pPr/>
-              <a:t>6/24/2016</a:t>
+              <a:t>6/25/2016</a:t>
             </a:fld>
             <a:endParaRPr lang="en-US" dirty="0"/>
           </a:p>
@@ -3698,7 +3700,7 @@
             <a:fld id="{B61BEF0D-F0BB-DE4B-95CE-6DB70DBA9567}" type="datetimeFigureOut">
               <a:rPr lang="en-US" smtClean="0"/>
               <a:pPr/>
-              <a:t>6/24/2016</a:t>
+              <a:t>6/25/2016</a:t>
             </a:fld>
             <a:endParaRPr lang="en-US" dirty="0"/>
           </a:p>
@@ -3976,7 +3978,7 @@
             <a:fld id="{B61BEF0D-F0BB-DE4B-95CE-6DB70DBA9567}" type="datetimeFigureOut">
               <a:rPr lang="en-US" smtClean="0"/>
               <a:pPr/>
-              <a:t>6/24/2016</a:t>
+              <a:t>6/25/2016</a:t>
             </a:fld>
             <a:endParaRPr lang="en-US" dirty="0"/>
           </a:p>
@@ -4247,7 +4249,7 @@
             <a:fld id="{B61BEF0D-F0BB-DE4B-95CE-6DB70DBA9567}" type="datetimeFigureOut">
               <a:rPr lang="en-US" smtClean="0"/>
               <a:pPr/>
-              <a:t>6/24/2016</a:t>
+              <a:t>6/25/2016</a:t>
             </a:fld>
             <a:endParaRPr lang="en-US" dirty="0"/>
           </a:p>
@@ -4622,7 +4624,7 @@
             <a:fld id="{B61BEF0D-F0BB-DE4B-95CE-6DB70DBA9567}" type="datetimeFigureOut">
               <a:rPr lang="en-US" smtClean="0"/>
               <a:pPr/>
-              <a:t>6/24/2016</a:t>
+              <a:t>6/25/2016</a:t>
             </a:fld>
             <a:endParaRPr lang="en-US" dirty="0"/>
           </a:p>
@@ -4775,7 +4777,7 @@
             <a:fld id="{B61BEF0D-F0BB-DE4B-95CE-6DB70DBA9567}" type="datetimeFigureOut">
               <a:rPr lang="en-US" smtClean="0"/>
               <a:pPr/>
-              <a:t>6/24/2016</a:t>
+              <a:t>6/25/2016</a:t>
             </a:fld>
             <a:endParaRPr lang="en-US" dirty="0"/>
           </a:p>
@@ -4902,7 +4904,7 @@
             <a:fld id="{B61BEF0D-F0BB-DE4B-95CE-6DB70DBA9567}" type="datetimeFigureOut">
               <a:rPr lang="en-US" smtClean="0"/>
               <a:pPr/>
-              <a:t>6/24/2016</a:t>
+              <a:t>6/25/2016</a:t>
             </a:fld>
             <a:endParaRPr lang="en-US" dirty="0"/>
           </a:p>
@@ -5189,7 +5191,7 @@
             <a:fld id="{B61BEF0D-F0BB-DE4B-95CE-6DB70DBA9567}" type="datetimeFigureOut">
               <a:rPr lang="en-US" smtClean="0"/>
               <a:pPr/>
-              <a:t>6/24/2016</a:t>
+              <a:t>6/25/2016</a:t>
             </a:fld>
             <a:endParaRPr lang="en-US" dirty="0"/>
           </a:p>
@@ -5515,7 +5517,7 @@
             <a:fld id="{B61BEF0D-F0BB-DE4B-95CE-6DB70DBA9567}" type="datetimeFigureOut">
               <a:rPr lang="en-US" smtClean="0"/>
               <a:pPr/>
-              <a:t>6/24/2016</a:t>
+              <a:t>6/25/2016</a:t>
             </a:fld>
             <a:endParaRPr lang="en-US" dirty="0"/>
           </a:p>
@@ -5731,7 +5733,7 @@
             <a:fld id="{B61BEF0D-F0BB-DE4B-95CE-6DB70DBA9567}" type="datetimeFigureOut">
               <a:rPr lang="en-US" smtClean="0"/>
               <a:pPr/>
-              <a:t>6/24/2016</a:t>
+              <a:t>6/25/2016</a:t>
             </a:fld>
             <a:endParaRPr lang="en-US" dirty="0"/>
           </a:p>
@@ -6586,6 +6588,165 @@
     <p:extLst>
       <p:ext uri="{BB962C8B-B14F-4D97-AF65-F5344CB8AC3E}">
         <p14:creationId xmlns:p14="http://schemas.microsoft.com/office/powerpoint/2010/main" val="1064705014"/>
+      </p:ext>
+    </p:extLst>
+  </p:cSld>
+  <p:clrMapOvr>
+    <a:masterClrMapping/>
+  </p:clrMapOvr>
+</p:sld>
+</file>
+
+<file path=ppt/slides/slide12.xml><?xml version="1.0" encoding="utf-8"?>
+<p:sld xmlns:a="http://schemas.openxmlformats.org/drawingml/2006/main" xmlns:r="http://schemas.openxmlformats.org/officeDocument/2006/relationships" xmlns:p="http://schemas.openxmlformats.org/presentationml/2006/main">
+  <p:cSld>
+    <p:spTree>
+      <p:nvGrpSpPr>
+        <p:cNvPr id="1" name=""/>
+        <p:cNvGrpSpPr/>
+        <p:nvPr/>
+      </p:nvGrpSpPr>
+      <p:grpSpPr>
+        <a:xfrm>
+          <a:off x="0" y="0"/>
+          <a:ext cx="0" cy="0"/>
+          <a:chOff x="0" y="0"/>
+          <a:chExt cx="0" cy="0"/>
+        </a:xfrm>
+      </p:grpSpPr>
+      <p:sp>
+        <p:nvSpPr>
+          <p:cNvPr id="2" name="Title 1"/>
+          <p:cNvSpPr>
+            <a:spLocks noGrp="1"/>
+          </p:cNvSpPr>
+          <p:nvPr>
+            <p:ph type="title"/>
+          </p:nvPr>
+        </p:nvSpPr>
+        <p:spPr/>
+        <p:txBody>
+          <a:bodyPr/>
+          <a:lstStyle/>
+          <a:p>
+            <a:r>
+              <a:rPr lang="en-US" dirty="0"/>
+              <a:t>c3-listing9.js | c3l9-validate.js | c3l9-log.js</a:t>
+            </a:r>
+            <a:br>
+              <a:rPr lang="en-US" dirty="0"/>
+            </a:br>
+            <a:r>
+              <a:rPr lang="en-US" dirty="0"/>
+              <a:t>verbose() method in log.js</a:t>
+            </a:r>
+          </a:p>
+        </p:txBody>
+      </p:sp>
+      <p:sp>
+        <p:nvSpPr>
+          <p:cNvPr id="3" name="Content Placeholder 2"/>
+          <p:cNvSpPr>
+            <a:spLocks noGrp="1"/>
+          </p:cNvSpPr>
+          <p:nvPr>
+            <p:ph idx="1"/>
+          </p:nvPr>
+        </p:nvSpPr>
+        <p:spPr/>
+        <p:txBody>
+          <a:bodyPr/>
+          <a:lstStyle/>
+          <a:p>
+            <a:endParaRPr lang="en-US"/>
+          </a:p>
+        </p:txBody>
+      </p:sp>
+    </p:spTree>
+    <p:extLst>
+      <p:ext uri="{BB962C8B-B14F-4D97-AF65-F5344CB8AC3E}">
+        <p14:creationId xmlns:p14="http://schemas.microsoft.com/office/powerpoint/2010/main" val="2220818344"/>
+      </p:ext>
+    </p:extLst>
+  </p:cSld>
+  <p:clrMapOvr>
+    <a:masterClrMapping/>
+  </p:clrMapOvr>
+</p:sld>
+</file>
+
+<file path=ppt/slides/slide13.xml><?xml version="1.0" encoding="utf-8"?>
+<p:sld xmlns:a="http://schemas.openxmlformats.org/drawingml/2006/main" xmlns:r="http://schemas.openxmlformats.org/officeDocument/2006/relationships" xmlns:p="http://schemas.openxmlformats.org/presentationml/2006/main">
+  <p:cSld>
+    <p:spTree>
+      <p:nvGrpSpPr>
+        <p:cNvPr id="1" name=""/>
+        <p:cNvGrpSpPr/>
+        <p:nvPr/>
+      </p:nvGrpSpPr>
+      <p:grpSpPr>
+        <a:xfrm>
+          <a:off x="0" y="0"/>
+          <a:ext cx="0" cy="0"/>
+          <a:chOff x="0" y="0"/>
+          <a:chExt cx="0" cy="0"/>
+        </a:xfrm>
+      </p:grpSpPr>
+      <p:sp>
+        <p:nvSpPr>
+          <p:cNvPr id="2" name="Title 1"/>
+          <p:cNvSpPr>
+            <a:spLocks noGrp="1"/>
+          </p:cNvSpPr>
+          <p:nvPr>
+            <p:ph type="title"/>
+          </p:nvPr>
+        </p:nvSpPr>
+        <p:spPr/>
+        <p:txBody>
+          <a:bodyPr/>
+          <a:lstStyle/>
+          <a:p>
+            <a:r>
+              <a:rPr lang="en-US" dirty="0"/>
+              <a:t>c3-listing10.js | c3l10-validate.js | c3l10-log.js</a:t>
+            </a:r>
+            <a:br>
+              <a:rPr lang="en-US" dirty="0"/>
+            </a:br>
+            <a:r>
+              <a:rPr lang="en-US" dirty="0"/>
+              <a:t>report() method in validate.js &amp;&amp; log.js</a:t>
+            </a:r>
+          </a:p>
+        </p:txBody>
+      </p:sp>
+      <p:sp>
+        <p:nvSpPr>
+          <p:cNvPr id="3" name="Content Placeholder 2"/>
+          <p:cNvSpPr>
+            <a:spLocks noGrp="1"/>
+          </p:cNvSpPr>
+          <p:nvPr>
+            <p:ph idx="1"/>
+          </p:nvPr>
+        </p:nvSpPr>
+        <p:spPr/>
+        <p:txBody>
+          <a:bodyPr/>
+          <a:lstStyle/>
+          <a:p>
+            <a:r>
+              <a:rPr lang="en-US" dirty="0"/>
+              <a:t>The objective is to have the program tell me at the bottom of the log what the deviations were and show the comparisons so that I don’t have to look through the whole list myself.</a:t>
+            </a:r>
+          </a:p>
+        </p:txBody>
+      </p:sp>
+    </p:spTree>
+    <p:extLst>
+      <p:ext uri="{BB962C8B-B14F-4D97-AF65-F5344CB8AC3E}">
+        <p14:creationId xmlns:p14="http://schemas.microsoft.com/office/powerpoint/2010/main" val="222504876"/>
       </p:ext>
     </p:extLst>
   </p:cSld>
